--- a/Data Visualization/General Election Results_09_08-10_08.pptx
+++ b/Data Visualization/General Election Results_09_08-10_08.pptx
@@ -104,6 +104,11 @@
       </a:defRPr>
     </a:lvl9pPr>
   </p:defaultTextStyle>
+  <p:extLst>
+    <p:ext uri="{EFAFB233-063F-42B5-8137-9DF3F51BA10A}">
+      <p15:sldGuideLst xmlns:p15="http://schemas.microsoft.com/office/powerpoint/2012/main"/>
+    </p:ext>
+  </p:extLst>
 </p:presentation>
 </file>
 
@@ -4587,7 +4592,7 @@
             <a:r>
               <a:rPr lang="en-US" sz="1000" dirty="0">
                 <a:solidFill>
-                  <a:srgbClr val="CCCDCE"/>
+                  <a:srgbClr val="C7C9CB"/>
                 </a:solidFill>
               </a:rPr>
               <a:t>1. Because of the Electoral College, a candidate may be ahead in the general polls and still lose the election. Analysis by swing state hopefully to follow.</a:t>
@@ -4597,7 +4602,7 @@
             <a:r>
               <a:rPr lang="en-US" sz="1000" dirty="0">
                 <a:solidFill>
-                  <a:srgbClr val="CCCDCE"/>
+                  <a:srgbClr val="C7C9CB"/>
                 </a:solidFill>
               </a:rPr>
               <a:t>2. Because the data did not include  margin of error, weighted averages are presented where the poll size was used to determine the weight of individual poll percentages.</a:t>
@@ -4607,7 +4612,7 @@
             <a:r>
               <a:rPr lang="en-US" sz="1000" dirty="0">
                 <a:solidFill>
-                  <a:srgbClr val="CCCDCE"/>
+                  <a:srgbClr val="C7C9CB"/>
                 </a:solidFill>
               </a:rPr>
               <a:t>3. Source: </a:t>
@@ -4615,7 +4620,7 @@
             <a:r>
               <a:rPr lang="en-US" sz="1000" dirty="0">
                 <a:solidFill>
-                  <a:schemeClr val="bg1"/>
+                  <a:srgbClr val="C7C9CB"/>
                 </a:solidFill>
                 <a:hlinkClick r:id="rId3">
                   <a:extLst>
@@ -4630,18 +4635,33 @@
             <a:r>
               <a:rPr lang="en-US" sz="1000" dirty="0">
                 <a:solidFill>
-                  <a:schemeClr val="bg1"/>
+                  <a:srgbClr val="C7C9CB"/>
+                </a:solidFill>
+              </a:rPr>
+              <a:t> Repository: </a:t>
+            </a:r>
+            <a:r>
+              <a:rPr lang="en-US" sz="1000" dirty="0">
+                <a:solidFill>
+                  <a:srgbClr val="C7C9CB"/>
+                </a:solidFill>
+                <a:hlinkClick r:id="rId4">
+                  <a:extLst>
+                    <a:ext uri="{A12FA001-AC4F-418D-AE19-62706E023703}">
+                      <ahyp:hlinkClr xmlns:ahyp="http://schemas.microsoft.com/office/drawing/2018/hyperlinkcolor" val="tx"/>
+                    </a:ext>
+                  </a:extLst>
+                </a:hlinkClick>
+              </a:rPr>
+              <a:t>https://github.com/logsdond4/Presidential-Poll</a:t>
+            </a:r>
+            <a:r>
+              <a:rPr lang="en-US" sz="1000" dirty="0">
+                <a:solidFill>
+                  <a:srgbClr val="C7C9CB"/>
                 </a:solidFill>
               </a:rPr>
               <a:t> </a:t>
-            </a:r>
-            <a:r>
-              <a:rPr lang="en-US" sz="1000" dirty="0">
-                <a:solidFill>
-                  <a:srgbClr val="CCCDCE"/>
-                </a:solidFill>
-              </a:rPr>
-              <a:t>Repository: </a:t>
             </a:r>
           </a:p>
           <a:p>
